--- a/materials/slides/ch17-hierarchy.pptx
+++ b/materials/slides/ch17-hierarchy.pptx
@@ -6,11 +6,14 @@
     <p:sldMasterId id="2147483660" r:id="rId2"/>
   </p:sldMasterIdLst>
   <p:notesMasterIdLst>
-    <p:notesMasterId r:id="rId5"/>
+    <p:notesMasterId r:id="rId8"/>
   </p:notesMasterIdLst>
   <p:sldIdLst>
     <p:sldId id="260" r:id="rId3"/>
     <p:sldId id="261" r:id="rId4"/>
+    <p:sldId id="262" r:id="rId5"/>
+    <p:sldId id="264" r:id="rId6"/>
+    <p:sldId id="263" r:id="rId7"/>
   </p:sldIdLst>
   <p:sldSz cx="12192000" cy="6858000"/>
   <p:notesSz cx="6858000" cy="9144000"/>
@@ -199,7 +202,7 @@
           <a:p>
             <a:fld id="{F43B6EE9-BDC9-469F-844A-ED2A9895708F}" type="datetimeFigureOut">
               <a:rPr lang="zh-CN" altLang="en-US" smtClean="0"/>
-              <a:t>2018/5/16</a:t>
+              <a:t>2018/6/18</a:t>
             </a:fld>
             <a:endParaRPr lang="zh-CN" altLang="en-US"/>
           </a:p>
@@ -621,7 +624,7 @@
           <a:p>
             <a:fld id="{02E60DA2-A0BC-48C9-AA88-75C78721B420}" type="datetimeFigureOut">
               <a:rPr lang="zh-CN" altLang="en-US" smtClean="0"/>
-              <a:t>2018/5/16</a:t>
+              <a:t>2018/6/18</a:t>
             </a:fld>
             <a:endParaRPr lang="zh-CN" altLang="en-US"/>
           </a:p>
@@ -843,7 +846,7 @@
           <a:p>
             <a:fld id="{02E60DA2-A0BC-48C9-AA88-75C78721B420}" type="datetimeFigureOut">
               <a:rPr lang="zh-CN" altLang="en-US" smtClean="0"/>
-              <a:t>2018/5/16</a:t>
+              <a:t>2018/6/18</a:t>
             </a:fld>
             <a:endParaRPr lang="zh-CN" altLang="en-US"/>
           </a:p>
@@ -1075,7 +1078,7 @@
           <a:p>
             <a:fld id="{02E60DA2-A0BC-48C9-AA88-75C78721B420}" type="datetimeFigureOut">
               <a:rPr lang="zh-CN" altLang="en-US" smtClean="0"/>
-              <a:t>2018/5/16</a:t>
+              <a:t>2018/6/18</a:t>
             </a:fld>
             <a:endParaRPr lang="zh-CN" altLang="en-US"/>
           </a:p>
@@ -1325,7 +1328,7 @@
           <a:p>
             <a:fld id="{02E60DA2-A0BC-48C9-AA88-75C78721B420}" type="datetimeFigureOut">
               <a:rPr lang="zh-CN" altLang="en-US" smtClean="0"/>
-              <a:t>2018/5/16</a:t>
+              <a:t>2018/6/18</a:t>
             </a:fld>
             <a:endParaRPr lang="zh-CN" altLang="en-US"/>
           </a:p>
@@ -1563,7 +1566,7 @@
           <a:p>
             <a:fld id="{02E60DA2-A0BC-48C9-AA88-75C78721B420}" type="datetimeFigureOut">
               <a:rPr lang="zh-CN" altLang="en-US" smtClean="0"/>
-              <a:t>2018/5/16</a:t>
+              <a:t>2018/6/18</a:t>
             </a:fld>
             <a:endParaRPr lang="zh-CN" altLang="en-US"/>
           </a:p>
@@ -1868,7 +1871,7 @@
           <a:p>
             <a:fld id="{02E60DA2-A0BC-48C9-AA88-75C78721B420}" type="datetimeFigureOut">
               <a:rPr lang="zh-CN" altLang="en-US" smtClean="0"/>
-              <a:t>2018/5/16</a:t>
+              <a:t>2018/6/18</a:t>
             </a:fld>
             <a:endParaRPr lang="zh-CN" altLang="en-US"/>
           </a:p>
@@ -2171,7 +2174,7 @@
           <a:p>
             <a:fld id="{02E60DA2-A0BC-48C9-AA88-75C78721B420}" type="datetimeFigureOut">
               <a:rPr lang="zh-CN" altLang="en-US" smtClean="0"/>
-              <a:t>2018/5/16</a:t>
+              <a:t>2018/6/18</a:t>
             </a:fld>
             <a:endParaRPr lang="zh-CN" altLang="en-US"/>
           </a:p>
@@ -2622,7 +2625,7 @@
           <a:p>
             <a:fld id="{02E60DA2-A0BC-48C9-AA88-75C78721B420}" type="datetimeFigureOut">
               <a:rPr lang="zh-CN" altLang="en-US" smtClean="0"/>
-              <a:t>2018/5/16</a:t>
+              <a:t>2018/6/18</a:t>
             </a:fld>
             <a:endParaRPr lang="zh-CN" altLang="en-US"/>
           </a:p>
@@ -2795,7 +2798,7 @@
           <a:p>
             <a:fld id="{02E60DA2-A0BC-48C9-AA88-75C78721B420}" type="datetimeFigureOut">
               <a:rPr lang="zh-CN" altLang="en-US" smtClean="0"/>
-              <a:t>2018/5/16</a:t>
+              <a:t>2018/6/18</a:t>
             </a:fld>
             <a:endParaRPr lang="zh-CN" altLang="en-US"/>
           </a:p>
@@ -2932,7 +2935,7 @@
           <a:p>
             <a:fld id="{02E60DA2-A0BC-48C9-AA88-75C78721B420}" type="datetimeFigureOut">
               <a:rPr lang="zh-CN" altLang="en-US" smtClean="0"/>
-              <a:t>2018/5/16</a:t>
+              <a:t>2018/6/18</a:t>
             </a:fld>
             <a:endParaRPr lang="zh-CN" altLang="en-US"/>
           </a:p>
@@ -3276,7 +3279,7 @@
           <a:p>
             <a:fld id="{02E60DA2-A0BC-48C9-AA88-75C78721B420}" type="datetimeFigureOut">
               <a:rPr lang="zh-CN" altLang="en-US" smtClean="0"/>
-              <a:t>2018/5/16</a:t>
+              <a:t>2018/6/18</a:t>
             </a:fld>
             <a:endParaRPr lang="zh-CN" altLang="en-US"/>
           </a:p>
@@ -3498,7 +3501,7 @@
           <a:p>
             <a:fld id="{02E60DA2-A0BC-48C9-AA88-75C78721B420}" type="datetimeFigureOut">
               <a:rPr lang="zh-CN" altLang="en-US" smtClean="0"/>
-              <a:t>2018/5/16</a:t>
+              <a:t>2018/6/18</a:t>
             </a:fld>
             <a:endParaRPr lang="zh-CN" altLang="en-US"/>
           </a:p>
@@ -3819,7 +3822,7 @@
           <a:p>
             <a:fld id="{02E60DA2-A0BC-48C9-AA88-75C78721B420}" type="datetimeFigureOut">
               <a:rPr lang="zh-CN" altLang="en-US" smtClean="0"/>
-              <a:t>2018/5/16</a:t>
+              <a:t>2018/6/18</a:t>
             </a:fld>
             <a:endParaRPr lang="zh-CN" altLang="en-US"/>
           </a:p>
@@ -4057,7 +4060,7 @@
           <a:p>
             <a:fld id="{02E60DA2-A0BC-48C9-AA88-75C78721B420}" type="datetimeFigureOut">
               <a:rPr lang="zh-CN" altLang="en-US" smtClean="0"/>
-              <a:t>2018/5/16</a:t>
+              <a:t>2018/6/18</a:t>
             </a:fld>
             <a:endParaRPr lang="zh-CN" altLang="en-US"/>
           </a:p>
@@ -4295,7 +4298,7 @@
           <a:p>
             <a:fld id="{02E60DA2-A0BC-48C9-AA88-75C78721B420}" type="datetimeFigureOut">
               <a:rPr lang="zh-CN" altLang="en-US" smtClean="0"/>
-              <a:t>2018/5/16</a:t>
+              <a:t>2018/6/18</a:t>
             </a:fld>
             <a:endParaRPr lang="zh-CN" altLang="en-US"/>
           </a:p>
@@ -4594,7 +4597,7 @@
           <a:p>
             <a:fld id="{02E60DA2-A0BC-48C9-AA88-75C78721B420}" type="datetimeFigureOut">
               <a:rPr lang="zh-CN" altLang="en-US" smtClean="0"/>
-              <a:t>2018/5/16</a:t>
+              <a:t>2018/6/18</a:t>
             </a:fld>
             <a:endParaRPr lang="zh-CN" altLang="en-US"/>
           </a:p>
@@ -4883,7 +4886,7 @@
           <a:p>
             <a:fld id="{02E60DA2-A0BC-48C9-AA88-75C78721B420}" type="datetimeFigureOut">
               <a:rPr lang="zh-CN" altLang="en-US" smtClean="0"/>
-              <a:t>2018/5/16</a:t>
+              <a:t>2018/6/18</a:t>
             </a:fld>
             <a:endParaRPr lang="zh-CN" altLang="en-US"/>
           </a:p>
@@ -5319,7 +5322,7 @@
           <a:p>
             <a:fld id="{02E60DA2-A0BC-48C9-AA88-75C78721B420}" type="datetimeFigureOut">
               <a:rPr lang="zh-CN" altLang="en-US" smtClean="0"/>
-              <a:t>2018/5/16</a:t>
+              <a:t>2018/6/18</a:t>
             </a:fld>
             <a:endParaRPr lang="zh-CN" altLang="en-US"/>
           </a:p>
@@ -5484,7 +5487,7 @@
           <a:p>
             <a:fld id="{02E60DA2-A0BC-48C9-AA88-75C78721B420}" type="datetimeFigureOut">
               <a:rPr lang="zh-CN" altLang="en-US" smtClean="0"/>
-              <a:t>2018/5/16</a:t>
+              <a:t>2018/6/18</a:t>
             </a:fld>
             <a:endParaRPr lang="zh-CN" altLang="en-US"/>
           </a:p>
@@ -5621,7 +5624,7 @@
           <a:p>
             <a:fld id="{02E60DA2-A0BC-48C9-AA88-75C78721B420}" type="datetimeFigureOut">
               <a:rPr lang="zh-CN" altLang="en-US" smtClean="0"/>
-              <a:t>2018/5/16</a:t>
+              <a:t>2018/6/18</a:t>
             </a:fld>
             <a:endParaRPr lang="zh-CN" altLang="en-US"/>
           </a:p>
@@ -5956,7 +5959,7 @@
           <a:p>
             <a:fld id="{02E60DA2-A0BC-48C9-AA88-75C78721B420}" type="datetimeFigureOut">
               <a:rPr lang="zh-CN" altLang="en-US" smtClean="0"/>
-              <a:t>2018/5/16</a:t>
+              <a:t>2018/6/18</a:t>
             </a:fld>
             <a:endParaRPr lang="zh-CN" altLang="en-US"/>
           </a:p>
@@ -6268,7 +6271,7 @@
           <a:p>
             <a:fld id="{02E60DA2-A0BC-48C9-AA88-75C78721B420}" type="datetimeFigureOut">
               <a:rPr lang="zh-CN" altLang="en-US" smtClean="0"/>
-              <a:t>2018/5/16</a:t>
+              <a:t>2018/6/18</a:t>
             </a:fld>
             <a:endParaRPr lang="zh-CN" altLang="en-US"/>
           </a:p>
@@ -7489,7 +7492,7 @@
           <a:p>
             <a:r>
               <a:rPr lang="zh-CN" altLang="en-US"/>
-              <a:t>整理结构</a:t>
+              <a:t>主要内容</a:t>
             </a:r>
             <a:endParaRPr lang="zh-CN" altLang="en-US" dirty="0"/>
           </a:p>
@@ -7518,10 +7521,167 @@
           </a:bodyPr>
           <a:lstStyle/>
           <a:p>
-            <a:pPr marL="0" indent="0">
+            <a:r>
+              <a:rPr lang="zh-CN" altLang="en-US" sz="2400"/>
+              <a:t>作为</a:t>
+            </a:r>
+            <a:r>
+              <a:rPr lang="en-US" altLang="zh-CN" sz="2400"/>
+              <a:t>Linux</a:t>
+            </a:r>
+            <a:r>
+              <a:rPr lang="zh-CN" altLang="en-US" sz="2400"/>
+              <a:t>系统的入门课程，主要内容包括了：</a:t>
+            </a:r>
+            <a:endParaRPr lang="en-US" altLang="zh-CN" sz="2400"/>
+          </a:p>
+          <a:p>
+            <a:pPr marL="457200" lvl="1" indent="0">
               <a:buNone/>
             </a:pPr>
-            <a:endParaRPr lang="en-US" altLang="zh-CN" sz="2400" dirty="0"/>
+            <a:r>
+              <a:rPr lang="en-US" altLang="zh-CN" sz="2000"/>
+              <a:t>Linux</a:t>
+            </a:r>
+            <a:r>
+              <a:rPr lang="zh-CN" altLang="en-US" sz="2000"/>
+              <a:t>发展历史与特点</a:t>
+            </a:r>
+            <a:endParaRPr lang="en-US" altLang="zh-CN" sz="2000"/>
+          </a:p>
+          <a:p>
+            <a:pPr marL="457200" lvl="1" indent="0">
+              <a:buNone/>
+            </a:pPr>
+            <a:r>
+              <a:rPr lang="zh-CN" altLang="en-US" sz="2000"/>
+              <a:t>常用命令</a:t>
+            </a:r>
+            <a:endParaRPr lang="en-US" altLang="zh-CN" sz="2000"/>
+          </a:p>
+          <a:p>
+            <a:pPr marL="457200" lvl="1" indent="0">
+              <a:buNone/>
+            </a:pPr>
+            <a:r>
+              <a:rPr lang="zh-CN" altLang="en-US" sz="2000"/>
+              <a:t>管道，</a:t>
+            </a:r>
+            <a:r>
+              <a:rPr lang="en-US" altLang="zh-CN" sz="2000"/>
+              <a:t>IO</a:t>
+            </a:r>
+            <a:r>
+              <a:rPr lang="zh-CN" altLang="en-US" sz="2000"/>
+              <a:t>重定向</a:t>
+            </a:r>
+            <a:endParaRPr lang="en-US" altLang="zh-CN" sz="2000"/>
+          </a:p>
+          <a:p>
+            <a:pPr marL="457200" lvl="1" indent="0">
+              <a:buNone/>
+            </a:pPr>
+            <a:r>
+              <a:rPr lang="zh-CN" altLang="en-US" sz="2000"/>
+              <a:t>用户管理、权限</a:t>
+            </a:r>
+            <a:endParaRPr lang="en-US" altLang="zh-CN" sz="2000"/>
+          </a:p>
+          <a:p>
+            <a:pPr marL="457200" lvl="1" indent="0">
+              <a:buNone/>
+            </a:pPr>
+            <a:r>
+              <a:rPr lang="zh-CN" altLang="en-US" sz="2000"/>
+              <a:t>文件基本操作，权限管理</a:t>
+            </a:r>
+            <a:endParaRPr lang="en-US" altLang="zh-CN" sz="2000"/>
+          </a:p>
+          <a:p>
+            <a:pPr marL="457200" lvl="1" indent="0">
+              <a:buNone/>
+            </a:pPr>
+            <a:r>
+              <a:rPr lang="zh-CN" altLang="en-US" sz="2000"/>
+              <a:t>进程管理、后台任务管理</a:t>
+            </a:r>
+            <a:endParaRPr lang="en-US" altLang="zh-CN" sz="2000"/>
+          </a:p>
+          <a:p>
+            <a:pPr marL="457200" lvl="1" indent="0">
+              <a:buNone/>
+            </a:pPr>
+            <a:r>
+              <a:rPr lang="en-US" altLang="zh-CN" sz="2000"/>
+              <a:t>Shell</a:t>
+            </a:r>
+            <a:r>
+              <a:rPr lang="zh-CN" altLang="en-US" sz="2000"/>
+              <a:t>配置，环境变量</a:t>
+            </a:r>
+            <a:endParaRPr lang="en-US" altLang="zh-CN" sz="2000"/>
+          </a:p>
+          <a:p>
+            <a:pPr marL="457200" lvl="1" indent="0">
+              <a:buNone/>
+            </a:pPr>
+            <a:r>
+              <a:rPr lang="en-US" altLang="zh-CN" sz="2000"/>
+              <a:t>Shell</a:t>
+            </a:r>
+            <a:r>
+              <a:rPr lang="zh-CN" altLang="en-US" sz="2000"/>
+              <a:t>执行命令的基本过程</a:t>
+            </a:r>
+            <a:endParaRPr lang="en-US" altLang="zh-CN" sz="2000"/>
+          </a:p>
+          <a:p>
+            <a:pPr marL="457200" lvl="1" indent="0">
+              <a:buNone/>
+            </a:pPr>
+            <a:r>
+              <a:rPr lang="en-US" altLang="zh-CN" sz="2000"/>
+              <a:t>Shell</a:t>
+            </a:r>
+            <a:r>
+              <a:rPr lang="zh-CN" altLang="en-US" sz="2000"/>
+              <a:t>脚本</a:t>
+            </a:r>
+            <a:endParaRPr lang="en-US" altLang="zh-CN" sz="2000"/>
+          </a:p>
+          <a:p>
+            <a:pPr marL="457200" lvl="1" indent="0">
+              <a:buNone/>
+            </a:pPr>
+            <a:r>
+              <a:rPr lang="en-US" altLang="zh-CN" sz="2000"/>
+              <a:t>Linux C</a:t>
+            </a:r>
+            <a:r>
+              <a:rPr lang="zh-CN" altLang="en-US" sz="2000"/>
+              <a:t>编程环境</a:t>
+            </a:r>
+            <a:endParaRPr lang="en-US" altLang="zh-CN" sz="2000"/>
+          </a:p>
+          <a:p>
+            <a:pPr marL="457200" lvl="1" indent="0">
+              <a:buNone/>
+            </a:pPr>
+            <a:r>
+              <a:rPr lang="en-US" altLang="zh-CN" sz="2000"/>
+              <a:t>Linux</a:t>
+            </a:r>
+            <a:r>
+              <a:rPr lang="zh-CN" altLang="en-US" sz="2000"/>
+              <a:t>系统编程基础</a:t>
+            </a:r>
+            <a:endParaRPr lang="en-US" altLang="zh-CN" sz="2000"/>
+          </a:p>
+          <a:p>
+            <a:pPr marL="457200" lvl="1" indent="0">
+              <a:buNone/>
+            </a:pPr>
+            <a:endParaRPr lang="en-US" altLang="zh-CN" sz="2000" dirty="0"/>
           </a:p>
         </p:txBody>
       </p:sp>
@@ -7529,6 +7689,417 @@
     <p:extLst>
       <p:ext uri="{BB962C8B-B14F-4D97-AF65-F5344CB8AC3E}">
         <p14:creationId xmlns:p14="http://schemas.microsoft.com/office/powerpoint/2010/main" val="1283951382"/>
+      </p:ext>
+    </p:extLst>
+  </p:cSld>
+  <p:clrMapOvr>
+    <a:masterClrMapping/>
+  </p:clrMapOvr>
+</p:sld>
+</file>
+
+<file path=ppt/slides/slide3.xml><?xml version="1.0" encoding="utf-8"?>
+<p:sld xmlns:a="http://schemas.openxmlformats.org/drawingml/2006/main" xmlns:r="http://schemas.openxmlformats.org/officeDocument/2006/relationships" xmlns:p="http://schemas.openxmlformats.org/presentationml/2006/main">
+  <p:cSld>
+    <p:spTree>
+      <p:nvGrpSpPr>
+        <p:cNvPr id="1" name=""/>
+        <p:cNvGrpSpPr/>
+        <p:nvPr/>
+      </p:nvGrpSpPr>
+      <p:grpSpPr>
+        <a:xfrm>
+          <a:off x="0" y="0"/>
+          <a:ext cx="0" cy="0"/>
+          <a:chOff x="0" y="0"/>
+          <a:chExt cx="0" cy="0"/>
+        </a:xfrm>
+      </p:grpSpPr>
+      <p:sp>
+        <p:nvSpPr>
+          <p:cNvPr id="2" name="标题 1">
+            <a:extLst>
+              <a:ext uri="{FF2B5EF4-FFF2-40B4-BE49-F238E27FC236}">
+                <a16:creationId xmlns:a16="http://schemas.microsoft.com/office/drawing/2014/main" id="{8B88BACC-24DE-4087-9AB3-A099CF573089}"/>
+              </a:ext>
+            </a:extLst>
+          </p:cNvPr>
+          <p:cNvSpPr>
+            <a:spLocks noGrp="1"/>
+          </p:cNvSpPr>
+          <p:nvPr>
+            <p:ph type="title"/>
+          </p:nvPr>
+        </p:nvSpPr>
+        <p:spPr/>
+        <p:txBody>
+          <a:bodyPr/>
+          <a:lstStyle/>
+          <a:p>
+            <a:r>
+              <a:rPr lang="zh-CN" altLang="en-US"/>
+              <a:t>使用</a:t>
+            </a:r>
+            <a:r>
+              <a:rPr lang="en-US" altLang="zh-CN"/>
+              <a:t>Linux</a:t>
+            </a:r>
+            <a:r>
+              <a:rPr lang="zh-CN" altLang="en-US"/>
+              <a:t>的习惯和思考方式</a:t>
+            </a:r>
+            <a:endParaRPr lang="zh-CN" altLang="en-US" dirty="0"/>
+          </a:p>
+        </p:txBody>
+      </p:sp>
+      <p:sp>
+        <p:nvSpPr>
+          <p:cNvPr id="3" name="内容占位符 2">
+            <a:extLst>
+              <a:ext uri="{FF2B5EF4-FFF2-40B4-BE49-F238E27FC236}">
+                <a16:creationId xmlns:a16="http://schemas.microsoft.com/office/drawing/2014/main" id="{0A1C6B17-780B-4799-8193-E52FD817AC0E}"/>
+              </a:ext>
+            </a:extLst>
+          </p:cNvPr>
+          <p:cNvSpPr>
+            <a:spLocks noGrp="1"/>
+          </p:cNvSpPr>
+          <p:nvPr>
+            <p:ph idx="1"/>
+          </p:nvPr>
+        </p:nvSpPr>
+        <p:spPr/>
+        <p:txBody>
+          <a:bodyPr>
+            <a:normAutofit/>
+          </a:bodyPr>
+          <a:lstStyle/>
+          <a:p>
+            <a:r>
+              <a:rPr lang="zh-CN" altLang="en-US" sz="2400"/>
+              <a:t>不能用在</a:t>
+            </a:r>
+            <a:r>
+              <a:rPr lang="en-US" altLang="zh-CN" sz="2400"/>
+              <a:t>Windows</a:t>
+            </a:r>
+            <a:r>
+              <a:rPr lang="zh-CN" altLang="en-US" sz="2400"/>
+              <a:t>上养成的使用习惯和思考方式去使用</a:t>
+            </a:r>
+            <a:r>
+              <a:rPr lang="en-US" altLang="zh-CN" sz="2400"/>
+              <a:t>Linux</a:t>
+            </a:r>
+            <a:r>
+              <a:rPr lang="zh-CN" altLang="en-US" sz="2400"/>
+              <a:t>，</a:t>
+            </a:r>
+            <a:r>
+              <a:rPr lang="en-US" altLang="zh-CN" sz="2400"/>
+              <a:t>GUI</a:t>
+            </a:r>
+            <a:r>
+              <a:rPr lang="zh-CN" altLang="en-US" sz="2400"/>
+              <a:t>有它的优势，也有不足，</a:t>
+            </a:r>
+            <a:r>
+              <a:rPr lang="en-US" altLang="zh-CN" sz="2400"/>
+              <a:t>GUI</a:t>
+            </a:r>
+            <a:r>
+              <a:rPr lang="zh-CN" altLang="en-US" sz="2400"/>
+              <a:t>有时候会提高效率但有时候会把功能隐藏的更深，屏蔽内部实现也会导致</a:t>
+            </a:r>
+            <a:r>
+              <a:rPr lang="en-US" altLang="zh-CN" sz="2400"/>
+              <a:t>bug</a:t>
+            </a:r>
+            <a:r>
+              <a:rPr lang="zh-CN" altLang="en-US" sz="2400"/>
+              <a:t>隐藏的很深，另一方面是</a:t>
+            </a:r>
+            <a:r>
+              <a:rPr lang="en-US" altLang="zh-CN" sz="2400"/>
+              <a:t>GUI</a:t>
+            </a:r>
+            <a:r>
+              <a:rPr lang="zh-CN" altLang="en-US" sz="2400"/>
+              <a:t>使得程序间通信几乎变得不可能。</a:t>
+            </a:r>
+            <a:endParaRPr lang="en-US" altLang="zh-CN" sz="2400"/>
+          </a:p>
+          <a:p>
+            <a:r>
+              <a:rPr lang="en-US" altLang="zh-CN" sz="2400"/>
+              <a:t>CLI</a:t>
+            </a:r>
+            <a:r>
+              <a:rPr lang="zh-CN" altLang="en-US" sz="2400"/>
+              <a:t>模式的程序可以通过普通文本流相互协作，并组合成功能更加强大的程序。对于脚本自动化，程序解耦十分有用。</a:t>
+            </a:r>
+            <a:endParaRPr lang="en-US" altLang="zh-CN" sz="2400"/>
+          </a:p>
+          <a:p>
+            <a:r>
+              <a:rPr lang="zh-CN" altLang="en-US" sz="2400"/>
+              <a:t>绝对的否定</a:t>
+            </a:r>
+            <a:r>
+              <a:rPr lang="en-US" altLang="zh-CN" sz="2400"/>
+              <a:t>CLI</a:t>
+            </a:r>
+            <a:r>
+              <a:rPr lang="zh-CN" altLang="en-US" sz="2400"/>
+              <a:t>或是否定</a:t>
+            </a:r>
+            <a:r>
+              <a:rPr lang="en-US" altLang="zh-CN" sz="2400"/>
+              <a:t>GUI</a:t>
+            </a:r>
+            <a:r>
+              <a:rPr lang="zh-CN" altLang="en-US" sz="2400"/>
+              <a:t>都是不对的，</a:t>
+            </a:r>
+            <a:r>
+              <a:rPr lang="en-US" altLang="zh-CN" sz="2400"/>
+              <a:t>GUI</a:t>
+            </a:r>
+            <a:r>
+              <a:rPr lang="zh-CN" altLang="en-US" sz="2400"/>
+              <a:t>对于普通用户的使用上还是非常方便的，设计程序是</a:t>
+            </a:r>
+            <a:r>
+              <a:rPr lang="en-US" altLang="zh-CN" sz="2400"/>
+              <a:t>CLI</a:t>
+            </a:r>
+            <a:r>
+              <a:rPr lang="zh-CN" altLang="en-US" sz="2400"/>
+              <a:t>模式还是</a:t>
+            </a:r>
+            <a:r>
+              <a:rPr lang="en-US" altLang="zh-CN" sz="2400"/>
+              <a:t>GUI</a:t>
+            </a:r>
+            <a:r>
+              <a:rPr lang="zh-CN" altLang="en-US" sz="2400"/>
+              <a:t>模式，要看具体的场景，具体的需求，面向的用户。</a:t>
+            </a:r>
+            <a:endParaRPr lang="en-US" altLang="zh-CN" sz="2400"/>
+          </a:p>
+          <a:p>
+            <a:r>
+              <a:rPr lang="zh-CN" altLang="en-US" sz="2400"/>
+              <a:t>在</a:t>
+            </a:r>
+            <a:r>
+              <a:rPr lang="en-US" altLang="zh-CN" sz="2400"/>
+              <a:t>Linux</a:t>
+            </a:r>
+            <a:r>
+              <a:rPr lang="zh-CN" altLang="en-US" sz="2400"/>
+              <a:t>上，即使是桌面环境，仍然不可避免地要用到</a:t>
+            </a:r>
+            <a:r>
+              <a:rPr lang="en-US" altLang="zh-CN" sz="2400"/>
+              <a:t>shell</a:t>
+            </a:r>
+            <a:r>
+              <a:rPr lang="zh-CN" altLang="en-US" sz="2400"/>
+              <a:t>执行命令。命令是面向文本的，程序之间通过管道通信，可以组合完成复杂的任务。记住这一点很重要。</a:t>
+            </a:r>
+            <a:endParaRPr lang="en-US" altLang="zh-CN" sz="2400"/>
+          </a:p>
+          <a:p>
+            <a:endParaRPr lang="en-US" altLang="zh-CN" sz="2000"/>
+          </a:p>
+          <a:p>
+            <a:pPr marL="457200" lvl="1" indent="0">
+              <a:buNone/>
+            </a:pPr>
+            <a:endParaRPr lang="en-US" altLang="zh-CN" sz="2000" dirty="0"/>
+          </a:p>
+        </p:txBody>
+      </p:sp>
+    </p:spTree>
+    <p:extLst>
+      <p:ext uri="{BB962C8B-B14F-4D97-AF65-F5344CB8AC3E}">
+        <p14:creationId xmlns:p14="http://schemas.microsoft.com/office/powerpoint/2010/main" val="3228275907"/>
+      </p:ext>
+    </p:extLst>
+  </p:cSld>
+  <p:clrMapOvr>
+    <a:masterClrMapping/>
+  </p:clrMapOvr>
+</p:sld>
+</file>
+
+<file path=ppt/slides/slide4.xml><?xml version="1.0" encoding="utf-8"?>
+<p:sld xmlns:a="http://schemas.openxmlformats.org/drawingml/2006/main" xmlns:r="http://schemas.openxmlformats.org/officeDocument/2006/relationships" xmlns:p="http://schemas.openxmlformats.org/presentationml/2006/main">
+  <p:cSld>
+    <p:spTree>
+      <p:nvGrpSpPr>
+        <p:cNvPr id="1" name=""/>
+        <p:cNvGrpSpPr/>
+        <p:nvPr/>
+      </p:nvGrpSpPr>
+      <p:grpSpPr>
+        <a:xfrm>
+          <a:off x="0" y="0"/>
+          <a:ext cx="0" cy="0"/>
+          <a:chOff x="0" y="0"/>
+          <a:chExt cx="0" cy="0"/>
+        </a:xfrm>
+      </p:grpSpPr>
+      <p:sp>
+        <p:nvSpPr>
+          <p:cNvPr id="2" name="标题 1">
+            <a:extLst>
+              <a:ext uri="{FF2B5EF4-FFF2-40B4-BE49-F238E27FC236}">
+                <a16:creationId xmlns:a16="http://schemas.microsoft.com/office/drawing/2014/main" id="{8B88BACC-24DE-4087-9AB3-A099CF573089}"/>
+              </a:ext>
+            </a:extLst>
+          </p:cNvPr>
+          <p:cNvSpPr>
+            <a:spLocks noGrp="1"/>
+          </p:cNvSpPr>
+          <p:nvPr>
+            <p:ph type="title"/>
+          </p:nvPr>
+        </p:nvSpPr>
+        <p:spPr/>
+        <p:txBody>
+          <a:bodyPr/>
+          <a:lstStyle/>
+          <a:p>
+            <a:r>
+              <a:rPr lang="zh-CN" altLang="en-US"/>
+              <a:t>把桌面环境和终端模式分开看待</a:t>
+            </a:r>
+            <a:endParaRPr lang="zh-CN" altLang="en-US" dirty="0"/>
+          </a:p>
+        </p:txBody>
+      </p:sp>
+      <p:sp>
+        <p:nvSpPr>
+          <p:cNvPr id="3" name="内容占位符 2">
+            <a:extLst>
+              <a:ext uri="{FF2B5EF4-FFF2-40B4-BE49-F238E27FC236}">
+                <a16:creationId xmlns:a16="http://schemas.microsoft.com/office/drawing/2014/main" id="{0A1C6B17-780B-4799-8193-E52FD817AC0E}"/>
+              </a:ext>
+            </a:extLst>
+          </p:cNvPr>
+          <p:cNvSpPr>
+            <a:spLocks noGrp="1"/>
+          </p:cNvSpPr>
+          <p:nvPr>
+            <p:ph idx="1"/>
+          </p:nvPr>
+        </p:nvSpPr>
+        <p:spPr/>
+        <p:txBody>
+          <a:bodyPr>
+            <a:normAutofit/>
+          </a:bodyPr>
+          <a:lstStyle/>
+          <a:p>
+            <a:pPr marL="457200" lvl="1" indent="0">
+              <a:buNone/>
+            </a:pPr>
+            <a:endParaRPr lang="en-US" altLang="zh-CN" sz="2000" dirty="0"/>
+          </a:p>
+        </p:txBody>
+      </p:sp>
+    </p:spTree>
+    <p:extLst>
+      <p:ext uri="{BB962C8B-B14F-4D97-AF65-F5344CB8AC3E}">
+        <p14:creationId xmlns:p14="http://schemas.microsoft.com/office/powerpoint/2010/main" val="749157051"/>
+      </p:ext>
+    </p:extLst>
+  </p:cSld>
+  <p:clrMapOvr>
+    <a:masterClrMapping/>
+  </p:clrMapOvr>
+</p:sld>
+</file>
+
+<file path=ppt/slides/slide5.xml><?xml version="1.0" encoding="utf-8"?>
+<p:sld xmlns:a="http://schemas.openxmlformats.org/drawingml/2006/main" xmlns:r="http://schemas.openxmlformats.org/officeDocument/2006/relationships" xmlns:p="http://schemas.openxmlformats.org/presentationml/2006/main">
+  <p:cSld>
+    <p:spTree>
+      <p:nvGrpSpPr>
+        <p:cNvPr id="1" name=""/>
+        <p:cNvGrpSpPr/>
+        <p:nvPr/>
+      </p:nvGrpSpPr>
+      <p:grpSpPr>
+        <a:xfrm>
+          <a:off x="0" y="0"/>
+          <a:ext cx="0" cy="0"/>
+          <a:chOff x="0" y="0"/>
+          <a:chExt cx="0" cy="0"/>
+        </a:xfrm>
+      </p:grpSpPr>
+      <p:sp>
+        <p:nvSpPr>
+          <p:cNvPr id="2" name="标题 1">
+            <a:extLst>
+              <a:ext uri="{FF2B5EF4-FFF2-40B4-BE49-F238E27FC236}">
+                <a16:creationId xmlns:a16="http://schemas.microsoft.com/office/drawing/2014/main" id="{8B88BACC-24DE-4087-9AB3-A099CF573089}"/>
+              </a:ext>
+            </a:extLst>
+          </p:cNvPr>
+          <p:cNvSpPr>
+            <a:spLocks noGrp="1"/>
+          </p:cNvSpPr>
+          <p:nvPr>
+            <p:ph type="title"/>
+          </p:nvPr>
+        </p:nvSpPr>
+        <p:spPr/>
+        <p:txBody>
+          <a:bodyPr/>
+          <a:lstStyle/>
+          <a:p>
+            <a:r>
+              <a:rPr lang="zh-CN" altLang="en-US"/>
+              <a:t>整体结构图</a:t>
+            </a:r>
+            <a:endParaRPr lang="zh-CN" altLang="en-US" dirty="0"/>
+          </a:p>
+        </p:txBody>
+      </p:sp>
+      <p:sp>
+        <p:nvSpPr>
+          <p:cNvPr id="3" name="内容占位符 2">
+            <a:extLst>
+              <a:ext uri="{FF2B5EF4-FFF2-40B4-BE49-F238E27FC236}">
+                <a16:creationId xmlns:a16="http://schemas.microsoft.com/office/drawing/2014/main" id="{0A1C6B17-780B-4799-8193-E52FD817AC0E}"/>
+              </a:ext>
+            </a:extLst>
+          </p:cNvPr>
+          <p:cNvSpPr>
+            <a:spLocks noGrp="1"/>
+          </p:cNvSpPr>
+          <p:nvPr>
+            <p:ph idx="1"/>
+          </p:nvPr>
+        </p:nvSpPr>
+        <p:spPr/>
+        <p:txBody>
+          <a:bodyPr>
+            <a:normAutofit/>
+          </a:bodyPr>
+          <a:lstStyle/>
+          <a:p>
+            <a:endParaRPr lang="en-US" altLang="zh-CN" sz="2400"/>
+          </a:p>
+        </p:txBody>
+      </p:sp>
+    </p:spTree>
+    <p:extLst>
+      <p:ext uri="{BB962C8B-B14F-4D97-AF65-F5344CB8AC3E}">
+        <p14:creationId xmlns:p14="http://schemas.microsoft.com/office/powerpoint/2010/main" val="3191864264"/>
       </p:ext>
     </p:extLst>
   </p:cSld>
